--- a/Laporan/MELAYANG.pptx
+++ b/Laporan/MELAYANG.pptx
@@ -8110,14 +8110,14 @@
           <p:nvPr>
             <p:extLst>
               <p:ext uri="{D42A27DB-BD31-4B8C-83A1-F6EECF244321}">
-                <p14:modId xmlns:p14="http://schemas.microsoft.com/office/powerpoint/2010/main" val="4202000860"/>
+                <p14:modId xmlns:p14="http://schemas.microsoft.com/office/powerpoint/2010/main" val="3098292672"/>
               </p:ext>
             </p:extLst>
           </p:nvPr>
         </p:nvGraphicFramePr>
         <p:xfrm>
           <a:off x="1708443" y="1730327"/>
-          <a:ext cx="9700456" cy="2892473"/>
+          <a:ext cx="9700456" cy="3075353"/>
         </p:xfrm>
         <a:graphic>
           <a:graphicData uri="http://schemas.openxmlformats.org/drawingml/2006/table">
@@ -8200,28 +8200,70 @@
                           <a:latin typeface="+mn-lt"/>
                           <a:cs typeface="Arial" panose="020B0604020202020204" pitchFamily="34" charset="0"/>
                         </a:rPr>
-                        <a:t>Project Manager, Programmer (Video</a:t>
+                        <a:t>Project Manager, Programmer </a:t>
+                      </a:r>
+                      <a:r>
+                        <a:rPr lang="en-US" sz="1800" dirty="0" smtClean="0">
+                          <a:latin typeface="+mn-lt"/>
+                          <a:cs typeface="Arial" panose="020B0604020202020204" pitchFamily="34" charset="0"/>
+                        </a:rPr>
+                        <a:t>(</a:t>
+                      </a:r>
+                      <a:r>
+                        <a:rPr lang="id-ID" sz="1800" smtClean="0">
+                          <a:latin typeface="+mn-lt"/>
+                          <a:cs typeface="Arial" panose="020B0604020202020204" pitchFamily="34" charset="0"/>
+                        </a:rPr>
+                        <a:t>Back-End </a:t>
+                      </a:r>
+                      <a:r>
+                        <a:rPr lang="en-US" sz="1800" smtClean="0">
+                          <a:latin typeface="+mn-lt"/>
+                          <a:cs typeface="Arial" panose="020B0604020202020204" pitchFamily="34" charset="0"/>
+                        </a:rPr>
+                        <a:t>Video</a:t>
+                      </a:r>
+                      <a:r>
+                        <a:rPr lang="en-US" sz="1800" baseline="0" smtClean="0">
+                          <a:latin typeface="+mn-lt"/>
+                          <a:cs typeface="Arial" panose="020B0604020202020204" pitchFamily="34" charset="0"/>
+                        </a:rPr>
+                        <a:t> </a:t>
+                      </a:r>
+                      <a:r>
+                        <a:rPr lang="en-US" sz="1800" baseline="0" dirty="0" err="1" smtClean="0">
+                          <a:latin typeface="+mn-lt"/>
+                          <a:cs typeface="Arial" panose="020B0604020202020204" pitchFamily="34" charset="0"/>
+                        </a:rPr>
+                        <a:t>Utama</a:t>
+                      </a:r>
+                      <a:r>
+                        <a:rPr lang="id-ID" sz="1800" baseline="0" dirty="0" smtClean="0">
+                          <a:latin typeface="+mn-lt"/>
+                          <a:cs typeface="Arial" panose="020B0604020202020204" pitchFamily="34" charset="0"/>
+                        </a:rPr>
+                        <a:t>,</a:t>
                       </a:r>
                       <a:r>
                         <a:rPr lang="en-US" sz="1800" baseline="0" dirty="0" smtClean="0">
                           <a:latin typeface="+mn-lt"/>
                           <a:cs typeface="Arial" panose="020B0604020202020204" pitchFamily="34" charset="0"/>
                         </a:rPr>
-                        <a:t> </a:t>
-                      </a:r>
-                      <a:r>
-                        <a:rPr lang="en-US" sz="1800" baseline="0" dirty="0" err="1" smtClean="0">
+                        <a:t> Front-End</a:t>
+                      </a:r>
+                      <a:r>
+                        <a:rPr lang="id-ID" sz="1800" baseline="0" dirty="0" smtClean="0">
                           <a:latin typeface="+mn-lt"/>
                           <a:cs typeface="Arial" panose="020B0604020202020204" pitchFamily="34" charset="0"/>
                         </a:rPr>
-                        <a:t>Utama</a:t>
+                        <a:t>, Login Session</a:t>
                       </a:r>
                       <a:r>
                         <a:rPr lang="en-US" sz="1800" baseline="0" dirty="0" smtClean="0">
                           <a:latin typeface="+mn-lt"/>
                           <a:cs typeface="Arial" panose="020B0604020202020204" pitchFamily="34" charset="0"/>
                         </a:rPr>
-                        <a:t> Front-End)</a:t>
+                        <a:t>)</a:t>
                       </a:r>
                       <a:endParaRPr lang="en-US" sz="1800" dirty="0">
                         <a:latin typeface="+mn-lt"/>
@@ -8305,7 +8347,35 @@
                           <a:latin typeface="+mn-lt"/>
                           <a:cs typeface="Arial" panose="020B0604020202020204" pitchFamily="34" charset="0"/>
                         </a:rPr>
-                        <a:t> (Front-End), UI Front-End </a:t>
+                        <a:t> </a:t>
+                      </a:r>
+                      <a:r>
+                        <a:rPr lang="en-US" sz="1800" baseline="0" dirty="0" smtClean="0">
+                          <a:latin typeface="+mn-lt"/>
+                          <a:cs typeface="Arial" panose="020B0604020202020204" pitchFamily="34" charset="0"/>
+                        </a:rPr>
+                        <a:t>(Back-End</a:t>
+                      </a:r>
+                      <a:r>
+                        <a:rPr lang="id-ID" sz="1800" baseline="0" dirty="0" smtClean="0">
+                          <a:latin typeface="+mn-lt"/>
+                          <a:cs typeface="Arial" panose="020B0604020202020204" pitchFamily="34" charset="0"/>
+                        </a:rPr>
+                        <a:t> Kegiatan, </a:t>
+                      </a:r>
+                      <a:r>
+                        <a:rPr lang="en-US" sz="1800" baseline="0" dirty="0" smtClean="0">
+                          <a:latin typeface="+mn-lt"/>
+                          <a:cs typeface="Arial" panose="020B0604020202020204" pitchFamily="34" charset="0"/>
+                        </a:rPr>
+                        <a:t>Front-End</a:t>
+                      </a:r>
+                      <a:r>
+                        <a:rPr lang="en-US" sz="1800" baseline="0" dirty="0" smtClean="0">
+                          <a:latin typeface="+mn-lt"/>
+                          <a:cs typeface="Arial" panose="020B0604020202020204" pitchFamily="34" charset="0"/>
+                        </a:rPr>
+                        <a:t>), UI Front-End </a:t>
                       </a:r>
                       <a:endParaRPr lang="en-US" sz="1800" dirty="0">
                         <a:latin typeface="+mn-lt"/>
